--- a/Milestone 3.pptx
+++ b/Milestone 3.pptx
@@ -110,6 +110,11 @@
       </a:defRPr>
     </a:lvl9pPr>
   </p:defaultTextStyle>
+  <p:extLst>
+    <p:ext uri="{EFAFB233-063F-42B5-8137-9DF3F51BA10A}">
+      <p15:sldGuideLst xmlns:p15="http://schemas.microsoft.com/office/powerpoint/2012/main"/>
+    </p:ext>
+  </p:extLst>
 </p:presentation>
 </file>
 
@@ -835,7 +840,7 @@
           <a:p>
             <a:fld id="{ADE5C61A-86B6-4B1D-A4C9-97CF0FF5E31B}" type="datetimeFigureOut">
               <a:rPr lang="en-US" smtClean="0"/>
-              <a:t>11/1/2020</a:t>
+              <a:t>11/3/2020</a:t>
             </a:fld>
             <a:endParaRPr lang="en-US"/>
           </a:p>
@@ -1086,7 +1091,7 @@
           <a:p>
             <a:fld id="{ADE5C61A-86B6-4B1D-A4C9-97CF0FF5E31B}" type="datetimeFigureOut">
               <a:rPr lang="en-US" smtClean="0"/>
-              <a:t>11/1/2020</a:t>
+              <a:t>11/3/2020</a:t>
             </a:fld>
             <a:endParaRPr lang="en-US"/>
           </a:p>
@@ -1400,7 +1405,7 @@
           <a:p>
             <a:fld id="{ADE5C61A-86B6-4B1D-A4C9-97CF0FF5E31B}" type="datetimeFigureOut">
               <a:rPr lang="en-US" smtClean="0"/>
-              <a:t>11/1/2020</a:t>
+              <a:t>11/3/2020</a:t>
             </a:fld>
             <a:endParaRPr lang="en-US"/>
           </a:p>
@@ -1741,7 +1746,7 @@
           <a:p>
             <a:fld id="{ADE5C61A-86B6-4B1D-A4C9-97CF0FF5E31B}" type="datetimeFigureOut">
               <a:rPr lang="en-US" smtClean="0"/>
-              <a:t>11/1/2020</a:t>
+              <a:t>11/3/2020</a:t>
             </a:fld>
             <a:endParaRPr lang="en-US"/>
           </a:p>
@@ -2055,7 +2060,7 @@
           <a:p>
             <a:fld id="{ADE5C61A-86B6-4B1D-A4C9-97CF0FF5E31B}" type="datetimeFigureOut">
               <a:rPr lang="en-US" smtClean="0"/>
-              <a:t>11/1/2020</a:t>
+              <a:t>11/3/2020</a:t>
             </a:fld>
             <a:endParaRPr lang="en-US"/>
           </a:p>
@@ -2448,7 +2453,7 @@
           <a:p>
             <a:fld id="{ADE5C61A-86B6-4B1D-A4C9-97CF0FF5E31B}" type="datetimeFigureOut">
               <a:rPr lang="en-US" smtClean="0"/>
-              <a:t>11/1/2020</a:t>
+              <a:t>11/3/2020</a:t>
             </a:fld>
             <a:endParaRPr lang="en-US"/>
           </a:p>
@@ -2618,7 +2623,7 @@
           <a:p>
             <a:fld id="{ADE5C61A-86B6-4B1D-A4C9-97CF0FF5E31B}" type="datetimeFigureOut">
               <a:rPr lang="en-US" smtClean="0"/>
-              <a:t>11/1/2020</a:t>
+              <a:t>11/3/2020</a:t>
             </a:fld>
             <a:endParaRPr lang="en-US"/>
           </a:p>
@@ -2798,7 +2803,7 @@
           <a:p>
             <a:fld id="{ADE5C61A-86B6-4B1D-A4C9-97CF0FF5E31B}" type="datetimeFigureOut">
               <a:rPr lang="en-US" smtClean="0"/>
-              <a:t>11/1/2020</a:t>
+              <a:t>11/3/2020</a:t>
             </a:fld>
             <a:endParaRPr lang="en-US"/>
           </a:p>
@@ -2974,7 +2979,7 @@
           <a:p>
             <a:fld id="{ADE5C61A-86B6-4B1D-A4C9-97CF0FF5E31B}" type="datetimeFigureOut">
               <a:rPr lang="en-US" smtClean="0"/>
-              <a:t>11/1/2020</a:t>
+              <a:t>11/3/2020</a:t>
             </a:fld>
             <a:endParaRPr lang="en-US"/>
           </a:p>
@@ -3221,7 +3226,7 @@
           <a:p>
             <a:fld id="{ADE5C61A-86B6-4B1D-A4C9-97CF0FF5E31B}" type="datetimeFigureOut">
               <a:rPr lang="en-US" smtClean="0"/>
-              <a:t>11/1/2020</a:t>
+              <a:t>11/3/2020</a:t>
             </a:fld>
             <a:endParaRPr lang="en-US"/>
           </a:p>
@@ -3453,7 +3458,7 @@
           <a:p>
             <a:fld id="{ADE5C61A-86B6-4B1D-A4C9-97CF0FF5E31B}" type="datetimeFigureOut">
               <a:rPr lang="en-US" smtClean="0"/>
-              <a:t>11/1/2020</a:t>
+              <a:t>11/3/2020</a:t>
             </a:fld>
             <a:endParaRPr lang="en-US"/>
           </a:p>
@@ -3827,7 +3832,7 @@
           <a:p>
             <a:fld id="{ADE5C61A-86B6-4B1D-A4C9-97CF0FF5E31B}" type="datetimeFigureOut">
               <a:rPr lang="en-US" smtClean="0"/>
-              <a:t>11/1/2020</a:t>
+              <a:t>11/3/2020</a:t>
             </a:fld>
             <a:endParaRPr lang="en-US"/>
           </a:p>
@@ -3950,7 +3955,7 @@
           <a:p>
             <a:fld id="{ADE5C61A-86B6-4B1D-A4C9-97CF0FF5E31B}" type="datetimeFigureOut">
               <a:rPr lang="en-US" smtClean="0"/>
-              <a:t>11/1/2020</a:t>
+              <a:t>11/3/2020</a:t>
             </a:fld>
             <a:endParaRPr lang="en-US"/>
           </a:p>
@@ -4045,7 +4050,7 @@
           <a:p>
             <a:fld id="{ADE5C61A-86B6-4B1D-A4C9-97CF0FF5E31B}" type="datetimeFigureOut">
               <a:rPr lang="en-US" smtClean="0"/>
-              <a:t>11/1/2020</a:t>
+              <a:t>11/3/2020</a:t>
             </a:fld>
             <a:endParaRPr lang="en-US"/>
           </a:p>
@@ -4300,7 +4305,7 @@
           <a:p>
             <a:fld id="{ADE5C61A-86B6-4B1D-A4C9-97CF0FF5E31B}" type="datetimeFigureOut">
               <a:rPr lang="en-US" smtClean="0"/>
-              <a:t>11/1/2020</a:t>
+              <a:t>11/3/2020</a:t>
             </a:fld>
             <a:endParaRPr lang="en-US"/>
           </a:p>
@@ -4563,7 +4568,7 @@
           <a:p>
             <a:fld id="{ADE5C61A-86B6-4B1D-A4C9-97CF0FF5E31B}" type="datetimeFigureOut">
               <a:rPr lang="en-US" smtClean="0"/>
-              <a:t>11/1/2020</a:t>
+              <a:t>11/3/2020</a:t>
             </a:fld>
             <a:endParaRPr lang="en-US"/>
           </a:p>
@@ -5306,7 +5311,7 @@
           <a:p>
             <a:fld id="{ADE5C61A-86B6-4B1D-A4C9-97CF0FF5E31B}" type="datetimeFigureOut">
               <a:rPr lang="en-US" smtClean="0"/>
-              <a:t>11/1/2020</a:t>
+              <a:t>11/3/2020</a:t>
             </a:fld>
             <a:endParaRPr lang="en-US"/>
           </a:p>
@@ -5852,8 +5857,8 @@
           <a:lstStyle/>
           <a:p>
             <a:r>
-              <a:rPr lang="en-US" dirty="0"/>
-              <a:t>Milestone 2</a:t>
+              <a:rPr lang="en-US"/>
+              <a:t>Milestone 3</a:t>
             </a:r>
             <a:br>
               <a:rPr lang="en-US" dirty="0"/>
@@ -5895,27 +5900,8 @@
           <a:p>
             <a:r>
               <a:rPr lang="en-US" dirty="0"/>
-              <a:t>Gabriele Chiossi, Ben </a:t>
-            </a:r>
-            <a:r>
-              <a:rPr lang="en-US" dirty="0" err="1"/>
-              <a:t>Marschall</a:t>
-            </a:r>
-            <a:r>
-              <a:rPr lang="en-US" dirty="0"/>
-              <a:t>, </a:t>
-            </a:r>
-            <a:r>
-              <a:rPr lang="en-US" dirty="0" err="1"/>
-              <a:t>Si'raaj</a:t>
-            </a:r>
-            <a:r>
-              <a:rPr lang="en-US" dirty="0"/>
-              <a:t> Woods</a:t>
-            </a:r>
-          </a:p>
-          <a:p>
-            <a:endParaRPr lang="en-US" dirty="0"/>
+              <a:t>Gabriele Chiossi, Ben Marschall</a:t>
+            </a:r>
           </a:p>
         </p:txBody>
       </p:sp>
@@ -6000,37 +5986,13 @@
           <a:p>
             <a:r>
               <a:rPr lang="en-US" dirty="0"/>
-              <a:t>We have been using </a:t>
-            </a:r>
-            <a:r>
-              <a:rPr lang="en-US" dirty="0" err="1"/>
-              <a:t>VSCode</a:t>
-            </a:r>
+              <a:t>We have been using VSCode, XCode, and Sublime Text to edit all our files. As well as a browser to look at the changes that we put in our code.</a:t>
+            </a:r>
+          </a:p>
+          <a:p>
             <a:r>
               <a:rPr lang="en-US" dirty="0"/>
-              <a:t>, </a:t>
-            </a:r>
-            <a:r>
-              <a:rPr lang="en-US" dirty="0" err="1"/>
-              <a:t>Xcode</a:t>
-            </a:r>
-            <a:r>
-              <a:rPr lang="en-US" dirty="0"/>
-              <a:t>, and Sublime Text to edit all our files. As well as a browser to look at the changes that we put in our code.</a:t>
-            </a:r>
-          </a:p>
-          <a:p>
-            <a:r>
-              <a:rPr lang="en-US" dirty="0"/>
-              <a:t>We use </a:t>
-            </a:r>
-            <a:r>
-              <a:rPr lang="en-US" dirty="0" err="1"/>
-              <a:t>Github</a:t>
-            </a:r>
-            <a:r>
-              <a:rPr lang="en-US" dirty="0"/>
-              <a:t> more frequently this milestone because we had some good code ready to be pushed and also created a new version (currently V3.0)</a:t>
+              <a:t>We use GitHub more frequently this milestone because we had some good code ready to be pushed and have also created a new version (currently V3.0)</a:t>
             </a:r>
           </a:p>
           <a:p>
@@ -6119,223 +6081,13 @@
           <a:p>
             <a:r>
               <a:rPr lang="it-IT" dirty="0"/>
-              <a:t>Gabriele </a:t>
-            </a:r>
-            <a:r>
-              <a:rPr lang="it-IT" dirty="0" err="1"/>
-              <a:t>has</a:t>
-            </a:r>
+              <a:t>Gabriele has fixed the stream, now the stream is only on when we are recording, and it is flat when we are doing anything else. Also developed part of the new music player.</a:t>
+            </a:r>
+          </a:p>
+          <a:p>
             <a:r>
               <a:rPr lang="it-IT" dirty="0"/>
-              <a:t> </a:t>
-            </a:r>
-            <a:r>
-              <a:rPr lang="it-IT" dirty="0" err="1"/>
-              <a:t>fixed</a:t>
-            </a:r>
-            <a:r>
-              <a:rPr lang="it-IT" dirty="0"/>
-              <a:t> the stream </a:t>
-            </a:r>
-            <a:r>
-              <a:rPr lang="it-IT" dirty="0" err="1"/>
-              <a:t>now</a:t>
-            </a:r>
-            <a:r>
-              <a:rPr lang="it-IT" dirty="0"/>
-              <a:t> the stream </a:t>
-            </a:r>
-            <a:r>
-              <a:rPr lang="it-IT" dirty="0" err="1"/>
-              <a:t>is</a:t>
-            </a:r>
-            <a:r>
-              <a:rPr lang="it-IT" dirty="0"/>
-              <a:t> on </a:t>
-            </a:r>
-            <a:r>
-              <a:rPr lang="it-IT" dirty="0" err="1"/>
-              <a:t>only</a:t>
-            </a:r>
-            <a:r>
-              <a:rPr lang="it-IT" dirty="0"/>
-              <a:t> </a:t>
-            </a:r>
-            <a:r>
-              <a:rPr lang="it-IT" dirty="0" err="1"/>
-              <a:t>when</a:t>
-            </a:r>
-            <a:r>
-              <a:rPr lang="it-IT" dirty="0"/>
-              <a:t> </a:t>
-            </a:r>
-            <a:r>
-              <a:rPr lang="it-IT" dirty="0" err="1"/>
-              <a:t>we</a:t>
-            </a:r>
-            <a:r>
-              <a:rPr lang="it-IT" dirty="0"/>
-              <a:t> are recording, and it </a:t>
-            </a:r>
-            <a:r>
-              <a:rPr lang="it-IT" dirty="0" err="1"/>
-              <a:t>is</a:t>
-            </a:r>
-            <a:r>
-              <a:rPr lang="it-IT" dirty="0"/>
-              <a:t> </a:t>
-            </a:r>
-            <a:r>
-              <a:rPr lang="it-IT" dirty="0" err="1"/>
-              <a:t>flat</a:t>
-            </a:r>
-            <a:r>
-              <a:rPr lang="it-IT" dirty="0"/>
-              <a:t> </a:t>
-            </a:r>
-            <a:r>
-              <a:rPr lang="it-IT" dirty="0" err="1"/>
-              <a:t>when</a:t>
-            </a:r>
-            <a:r>
-              <a:rPr lang="it-IT" dirty="0"/>
-              <a:t> </a:t>
-            </a:r>
-            <a:r>
-              <a:rPr lang="it-IT" dirty="0" err="1"/>
-              <a:t>we</a:t>
-            </a:r>
-            <a:r>
-              <a:rPr lang="it-IT" dirty="0"/>
-              <a:t> are </a:t>
-            </a:r>
-            <a:r>
-              <a:rPr lang="it-IT" dirty="0" err="1"/>
-              <a:t>doing</a:t>
-            </a:r>
-            <a:r>
-              <a:rPr lang="it-IT" dirty="0"/>
-              <a:t> </a:t>
-            </a:r>
-            <a:r>
-              <a:rPr lang="it-IT" dirty="0" err="1"/>
-              <a:t>anything</a:t>
-            </a:r>
-            <a:r>
-              <a:rPr lang="it-IT" dirty="0"/>
-              <a:t> else. </a:t>
-            </a:r>
-            <a:r>
-              <a:rPr lang="it-IT" dirty="0" err="1"/>
-              <a:t>Also</a:t>
-            </a:r>
-            <a:r>
-              <a:rPr lang="it-IT" dirty="0"/>
-              <a:t> </a:t>
-            </a:r>
-            <a:r>
-              <a:rPr lang="it-IT" dirty="0" err="1"/>
-              <a:t>develop</a:t>
-            </a:r>
-            <a:r>
-              <a:rPr lang="it-IT" dirty="0"/>
-              <a:t> part of the new music player, I </a:t>
-            </a:r>
-            <a:r>
-              <a:rPr lang="it-IT" dirty="0" err="1"/>
-              <a:t>used</a:t>
-            </a:r>
-            <a:r>
-              <a:rPr lang="it-IT" dirty="0"/>
-              <a:t> the API </a:t>
-            </a:r>
-            <a:r>
-              <a:rPr lang="it-IT" dirty="0" err="1"/>
-              <a:t>wavesurfer</a:t>
-            </a:r>
-            <a:r>
-              <a:rPr lang="it-IT" dirty="0"/>
-              <a:t> for </a:t>
-            </a:r>
-            <a:r>
-              <a:rPr lang="it-IT" dirty="0" err="1"/>
-              <a:t>our</a:t>
-            </a:r>
-            <a:r>
-              <a:rPr lang="it-IT" dirty="0"/>
-              <a:t> </a:t>
-            </a:r>
-            <a:r>
-              <a:rPr lang="it-IT" dirty="0" err="1"/>
-              <a:t>wave</a:t>
-            </a:r>
-            <a:r>
-              <a:rPr lang="it-IT" dirty="0"/>
-              <a:t> </a:t>
-            </a:r>
-            <a:r>
-              <a:rPr lang="it-IT" dirty="0" err="1"/>
-              <a:t>form</a:t>
-            </a:r>
-            <a:r>
-              <a:rPr lang="it-IT" dirty="0"/>
-              <a:t> in the sounds, it </a:t>
-            </a:r>
-            <a:r>
-              <a:rPr lang="it-IT" dirty="0" err="1"/>
-              <a:t>has</a:t>
-            </a:r>
-            <a:r>
-              <a:rPr lang="it-IT" dirty="0"/>
-              <a:t> a </a:t>
-            </a:r>
-            <a:r>
-              <a:rPr lang="it-IT" dirty="0" err="1"/>
-              <a:t>few</a:t>
-            </a:r>
-            <a:r>
-              <a:rPr lang="it-IT" dirty="0"/>
-              <a:t> bugs but </a:t>
-            </a:r>
-            <a:r>
-              <a:rPr lang="it-IT" dirty="0" err="1"/>
-              <a:t>hopefully</a:t>
-            </a:r>
-            <a:r>
-              <a:rPr lang="it-IT" dirty="0"/>
-              <a:t> </a:t>
-            </a:r>
-            <a:r>
-              <a:rPr lang="it-IT" dirty="0" err="1"/>
-              <a:t>they</a:t>
-            </a:r>
-            <a:r>
-              <a:rPr lang="it-IT" dirty="0"/>
-              <a:t> </a:t>
-            </a:r>
-            <a:r>
-              <a:rPr lang="it-IT" dirty="0" err="1"/>
-              <a:t>will</a:t>
-            </a:r>
-            <a:r>
-              <a:rPr lang="it-IT" dirty="0"/>
-              <a:t> be </a:t>
-            </a:r>
-            <a:r>
-              <a:rPr lang="it-IT" dirty="0" err="1"/>
-              <a:t>fixed</a:t>
-            </a:r>
-            <a:r>
-              <a:rPr lang="it-IT" dirty="0"/>
-              <a:t> by the </a:t>
-            </a:r>
-            <a:r>
-              <a:rPr lang="it-IT" dirty="0" err="1"/>
-              <a:t>next</a:t>
-            </a:r>
-            <a:r>
-              <a:rPr lang="it-IT" dirty="0"/>
-              <a:t> milestone</a:t>
+              <a:t>Gabriele used the API wavesurfer for our wave form in the sounds, it has a few bugs but hopefully they will be fixed by the next milestone</a:t>
             </a:r>
           </a:p>
           <a:p>
@@ -6586,56 +6338,8 @@
           <a:lstStyle/>
           <a:p>
             <a:r>
-              <a:rPr lang="it-IT" dirty="0" err="1"/>
-              <a:t>Fixes</a:t>
-            </a:r>
-            <a:r>
               <a:rPr lang="it-IT" dirty="0"/>
-              <a:t> </a:t>
-            </a:r>
-            <a:r>
-              <a:rPr lang="it-IT" dirty="0" err="1"/>
-              <a:t>all</a:t>
-            </a:r>
-            <a:r>
-              <a:rPr lang="it-IT" dirty="0"/>
-              <a:t> the bugs that </a:t>
-            </a:r>
-            <a:r>
-              <a:rPr lang="it-IT" dirty="0" err="1"/>
-              <a:t>we</a:t>
-            </a:r>
-            <a:r>
-              <a:rPr lang="it-IT" dirty="0"/>
-              <a:t> </a:t>
-            </a:r>
-            <a:r>
-              <a:rPr lang="it-IT" dirty="0" err="1"/>
-              <a:t>have</a:t>
-            </a:r>
-            <a:r>
-              <a:rPr lang="it-IT" dirty="0"/>
-              <a:t> and </a:t>
-            </a:r>
-            <a:r>
-              <a:rPr lang="it-IT" dirty="0" err="1"/>
-              <a:t>hopefully</a:t>
-            </a:r>
-            <a:r>
-              <a:rPr lang="it-IT" dirty="0"/>
-              <a:t> and a fair </a:t>
-            </a:r>
-            <a:r>
-              <a:rPr lang="it-IT" dirty="0" err="1"/>
-              <a:t>understanding</a:t>
-            </a:r>
-            <a:r>
-              <a:rPr lang="it-IT" dirty="0"/>
-              <a:t> of this new </a:t>
-            </a:r>
-            <a:r>
-              <a:rPr lang="it-IT" dirty="0" err="1"/>
-              <a:t>language</a:t>
+              <a:t>Fix all the bugs that we have and hopefully gain a fair understanding of this new language</a:t>
             </a:r>
             <a:endParaRPr lang="en-US" dirty="0"/>
           </a:p>
